--- a/images/theory_analysis/Web_Polling_Long_Polling_Server-sent_Events_WebSocket/Web_Polling_Long_Polling_Server-sent_Events_WebSocket.pptx
+++ b/images/theory_analysis/Web_Polling_Long_Polling_Server-sent_Events_WebSocket/Web_Polling_Long_Polling_Server-sent_Events_WebSocket.pptx
@@ -4554,6 +4554,88 @@
               <a:t>Polling</a:t>
             </a:r>
             <a:endParaRPr lang="ko-KR" altLang="en-US"/>
+          </a:p>
+        </p:txBody>
+      </p:sp>
+      <p:cxnSp>
+        <p:nvCxnSpPr>
+          <p:cNvPr id="31" name="직선 연결선 30">
+            <a:extLst>
+              <a:ext uri="{FF2B5EF4-FFF2-40B4-BE49-F238E27FC236}">
+                <a16:creationId xmlns:a16="http://schemas.microsoft.com/office/drawing/2014/main" id="{DEACCE3F-FBA2-4D0E-8F3E-3488F2FAD3F5}"/>
+              </a:ext>
+            </a:extLst>
+          </p:cNvPr>
+          <p:cNvCxnSpPr>
+            <a:cxnSpLocks/>
+          </p:cNvCxnSpPr>
+          <p:nvPr/>
+        </p:nvCxnSpPr>
+        <p:spPr>
+          <a:xfrm>
+            <a:off x="6464903" y="3196793"/>
+            <a:ext cx="771393" cy="0"/>
+          </a:xfrm>
+          <a:prstGeom prst="line">
+            <a:avLst/>
+          </a:prstGeom>
+          <a:ln w="19050">
+            <a:solidFill>
+              <a:schemeClr val="tx1"/>
+            </a:solidFill>
+            <a:headEnd type="arrow" w="med" len="med"/>
+            <a:tailEnd type="none" w="med" len="med"/>
+          </a:ln>
+        </p:spPr>
+        <p:style>
+          <a:lnRef idx="1">
+            <a:schemeClr val="accent1"/>
+          </a:lnRef>
+          <a:fillRef idx="0">
+            <a:schemeClr val="accent1"/>
+          </a:fillRef>
+          <a:effectRef idx="0">
+            <a:schemeClr val="accent1"/>
+          </a:effectRef>
+          <a:fontRef idx="minor">
+            <a:schemeClr val="tx1"/>
+          </a:fontRef>
+        </p:style>
+      </p:cxnSp>
+      <p:sp>
+        <p:nvSpPr>
+          <p:cNvPr id="32" name="TextBox 31">
+            <a:extLst>
+              <a:ext uri="{FF2B5EF4-FFF2-40B4-BE49-F238E27FC236}">
+                <a16:creationId xmlns:a16="http://schemas.microsoft.com/office/drawing/2014/main" id="{DEA9FF21-1296-49F1-9E5E-0974D64B3386}"/>
+              </a:ext>
+            </a:extLst>
+          </p:cNvPr>
+          <p:cNvSpPr txBox="1"/>
+          <p:nvPr/>
+        </p:nvSpPr>
+        <p:spPr>
+          <a:xfrm>
+            <a:off x="6515744" y="2958266"/>
+            <a:ext cx="699384" cy="238527"/>
+          </a:xfrm>
+          <a:prstGeom prst="rect">
+            <a:avLst/>
+          </a:prstGeom>
+          <a:noFill/>
+        </p:spPr>
+        <p:txBody>
+          <a:bodyPr wrap="square" lIns="68580" tIns="34290" rIns="68580" bIns="34290" rtlCol="0" anchor="ctr">
+            <a:spAutoFit/>
+          </a:bodyPr>
+          <a:lstStyle/>
+          <a:p>
+            <a:pPr algn="ctr"/>
+            <a:r>
+              <a:rPr lang="en-US" altLang="ko-KR" sz="1100"/>
+              <a:t>Event</a:t>
+            </a:r>
+            <a:endParaRPr lang="en-US" altLang="ko-KR" sz="1100" dirty="0"/>
           </a:p>
         </p:txBody>
       </p:sp>

--- a/images/theory_analysis/Web_Polling_Long_Polling_Server-sent_Events_WebSocket/Web_Polling_Long_Polling_Server-sent_Events_WebSocket.pptx
+++ b/images/theory_analysis/Web_Polling_Long_Polling_Server-sent_Events_WebSocket/Web_Polling_Long_Polling_Server-sent_Events_WebSocket.pptx
@@ -3687,7 +3687,7 @@
             <a:pPr algn="ctr"/>
             <a:r>
               <a:rPr lang="en-US" altLang="ko-KR" sz="1100"/>
-              <a:t>Response</a:t>
+              <a:t>Response + No Event</a:t>
             </a:r>
             <a:endParaRPr lang="en-US" altLang="ko-KR" sz="1100" dirty="0"/>
           </a:p>
@@ -4013,7 +4013,7 @@
             <a:pPr algn="ctr"/>
             <a:r>
               <a:rPr lang="en-US" altLang="ko-KR" sz="1100"/>
-              <a:t>Response</a:t>
+              <a:t>Response + No Event</a:t>
             </a:r>
             <a:endParaRPr lang="en-US" altLang="ko-KR" sz="1100" dirty="0"/>
           </a:p>
@@ -4339,7 +4339,7 @@
             <a:pPr algn="ctr"/>
             <a:r>
               <a:rPr lang="en-US" altLang="ko-KR" sz="1100"/>
-              <a:t>Response</a:t>
+              <a:t>Response + Events</a:t>
             </a:r>
             <a:endParaRPr lang="en-US" altLang="ko-KR" sz="1100" dirty="0"/>
           </a:p>
@@ -4573,7 +4573,7 @@
         </p:nvCxnSpPr>
         <p:spPr>
           <a:xfrm>
-            <a:off x="6464903" y="3196793"/>
+            <a:off x="6464903" y="3090614"/>
             <a:ext cx="771393" cy="0"/>
           </a:xfrm>
           <a:prstGeom prst="line">
@@ -4616,7 +4616,89 @@
         </p:nvSpPr>
         <p:spPr>
           <a:xfrm>
-            <a:off x="6515744" y="2958266"/>
+            <a:off x="6515744" y="2859782"/>
+            <a:ext cx="699384" cy="238527"/>
+          </a:xfrm>
+          <a:prstGeom prst="rect">
+            <a:avLst/>
+          </a:prstGeom>
+          <a:noFill/>
+        </p:spPr>
+        <p:txBody>
+          <a:bodyPr wrap="square" lIns="68580" tIns="34290" rIns="68580" bIns="34290" rtlCol="0" anchor="ctr">
+            <a:spAutoFit/>
+          </a:bodyPr>
+          <a:lstStyle/>
+          <a:p>
+            <a:pPr algn="ctr"/>
+            <a:r>
+              <a:rPr lang="en-US" altLang="ko-KR" sz="1100"/>
+              <a:t>Event</a:t>
+            </a:r>
+            <a:endParaRPr lang="en-US" altLang="ko-KR" sz="1100" dirty="0"/>
+          </a:p>
+        </p:txBody>
+      </p:sp>
+      <p:cxnSp>
+        <p:nvCxnSpPr>
+          <p:cNvPr id="33" name="직선 연결선 32">
+            <a:extLst>
+              <a:ext uri="{FF2B5EF4-FFF2-40B4-BE49-F238E27FC236}">
+                <a16:creationId xmlns:a16="http://schemas.microsoft.com/office/drawing/2014/main" id="{C93C76CC-0074-4116-A777-11A10B08546E}"/>
+              </a:ext>
+            </a:extLst>
+          </p:cNvPr>
+          <p:cNvCxnSpPr>
+            <a:cxnSpLocks/>
+          </p:cNvCxnSpPr>
+          <p:nvPr/>
+        </p:nvCxnSpPr>
+        <p:spPr>
+          <a:xfrm>
+            <a:off x="6464903" y="3331620"/>
+            <a:ext cx="771393" cy="0"/>
+          </a:xfrm>
+          <a:prstGeom prst="line">
+            <a:avLst/>
+          </a:prstGeom>
+          <a:ln w="19050">
+            <a:solidFill>
+              <a:schemeClr val="tx1"/>
+            </a:solidFill>
+            <a:headEnd type="arrow" w="med" len="med"/>
+            <a:tailEnd type="none" w="med" len="med"/>
+          </a:ln>
+        </p:spPr>
+        <p:style>
+          <a:lnRef idx="1">
+            <a:schemeClr val="accent1"/>
+          </a:lnRef>
+          <a:fillRef idx="0">
+            <a:schemeClr val="accent1"/>
+          </a:fillRef>
+          <a:effectRef idx="0">
+            <a:schemeClr val="accent1"/>
+          </a:effectRef>
+          <a:fontRef idx="minor">
+            <a:schemeClr val="tx1"/>
+          </a:fontRef>
+        </p:style>
+      </p:cxnSp>
+      <p:sp>
+        <p:nvSpPr>
+          <p:cNvPr id="34" name="TextBox 33">
+            <a:extLst>
+              <a:ext uri="{FF2B5EF4-FFF2-40B4-BE49-F238E27FC236}">
+                <a16:creationId xmlns:a16="http://schemas.microsoft.com/office/drawing/2014/main" id="{1FAF3F0D-71E4-4B5B-83B8-A3C178C247FF}"/>
+              </a:ext>
+            </a:extLst>
+          </p:cNvPr>
+          <p:cNvSpPr txBox="1"/>
+          <p:nvPr/>
+        </p:nvSpPr>
+        <p:spPr>
+          <a:xfrm>
+            <a:off x="6515744" y="3100788"/>
             <a:ext cx="699384" cy="238527"/>
           </a:xfrm>
           <a:prstGeom prst="rect">
@@ -4964,7 +5046,7 @@
             <a:pPr algn="ctr"/>
             <a:r>
               <a:rPr lang="en-US" altLang="ko-KR" sz="1100"/>
-              <a:t>Response</a:t>
+              <a:t>Response + Event</a:t>
             </a:r>
             <a:endParaRPr lang="en-US" altLang="ko-KR" sz="1100" dirty="0"/>
           </a:p>
@@ -5422,7 +5504,7 @@
             <a:pPr algn="ctr"/>
             <a:r>
               <a:rPr lang="en-US" altLang="ko-KR" sz="1100"/>
-              <a:t>Response</a:t>
+              <a:t>Response + Event</a:t>
             </a:r>
             <a:endParaRPr lang="en-US" altLang="ko-KR" sz="1100" dirty="0"/>
           </a:p>
@@ -5713,7 +5795,7 @@
         <p:spPr>
           <a:xfrm>
             <a:off x="3275857" y="978247"/>
-            <a:ext cx="0" cy="2817639"/>
+            <a:ext cx="0" cy="2929208"/>
           </a:xfrm>
           <a:prstGeom prst="line">
             <a:avLst/>
@@ -5794,7 +5876,7 @@
         <p:spPr>
           <a:xfrm>
             <a:off x="6464903" y="851290"/>
-            <a:ext cx="0" cy="2944596"/>
+            <a:ext cx="0" cy="3056165"/>
           </a:xfrm>
           <a:prstGeom prst="line">
             <a:avLst/>
@@ -5915,7 +5997,7 @@
             <a:pPr algn="ctr"/>
             <a:r>
               <a:rPr lang="en-US" altLang="ko-KR" sz="1100"/>
-              <a:t>Request</a:t>
+              <a:t>Handshake, Event Subscribe</a:t>
             </a:r>
             <a:endParaRPr lang="en-US" altLang="ko-KR" sz="1100" dirty="0"/>
           </a:p>
@@ -5937,7 +6019,7 @@
         </p:nvCxnSpPr>
         <p:spPr>
           <a:xfrm>
-            <a:off x="3152535" y="3619423"/>
+            <a:off x="3152535" y="3802772"/>
             <a:ext cx="3456384" cy="0"/>
           </a:xfrm>
           <a:prstGeom prst="line">
@@ -6060,7 +6142,7 @@
         </p:nvSpPr>
         <p:spPr>
           <a:xfrm>
-            <a:off x="1712375" y="3507854"/>
+            <a:off x="1712375" y="3684317"/>
             <a:ext cx="1378499" cy="223138"/>
           </a:xfrm>
           <a:prstGeom prst="rect">
@@ -6149,7 +6231,7 @@
         </p:nvCxnSpPr>
         <p:spPr>
           <a:xfrm>
-            <a:off x="3275857" y="1943374"/>
+            <a:off x="3275857" y="2126723"/>
             <a:ext cx="3189046" cy="0"/>
           </a:xfrm>
           <a:prstGeom prst="line">
@@ -6192,7 +6274,7 @@
         </p:nvSpPr>
         <p:spPr>
           <a:xfrm>
-            <a:off x="3491880" y="1697501"/>
+            <a:off x="3491880" y="1880850"/>
             <a:ext cx="2756998" cy="238527"/>
           </a:xfrm>
           <a:prstGeom prst="rect">
@@ -6231,7 +6313,7 @@
         </p:nvCxnSpPr>
         <p:spPr>
           <a:xfrm>
-            <a:off x="6464903" y="1802497"/>
+            <a:off x="6464903" y="1985846"/>
             <a:ext cx="771393" cy="0"/>
           </a:xfrm>
           <a:prstGeom prst="line">
@@ -6274,7 +6356,7 @@
         </p:nvSpPr>
         <p:spPr>
           <a:xfrm>
-            <a:off x="6515744" y="1563970"/>
+            <a:off x="6515744" y="1747319"/>
             <a:ext cx="699384" cy="238527"/>
           </a:xfrm>
           <a:prstGeom prst="rect">
@@ -6313,7 +6395,7 @@
         </p:nvCxnSpPr>
         <p:spPr>
           <a:xfrm>
-            <a:off x="3275857" y="2717188"/>
+            <a:off x="3275857" y="2900537"/>
             <a:ext cx="3189046" cy="0"/>
           </a:xfrm>
           <a:prstGeom prst="line">
@@ -6356,7 +6438,7 @@
         </p:nvSpPr>
         <p:spPr>
           <a:xfrm>
-            <a:off x="3491880" y="2471315"/>
+            <a:off x="3491880" y="2654664"/>
             <a:ext cx="2756998" cy="238527"/>
           </a:xfrm>
           <a:prstGeom prst="rect">
@@ -6395,7 +6477,7 @@
         </p:nvCxnSpPr>
         <p:spPr>
           <a:xfrm>
-            <a:off x="6464903" y="2576311"/>
+            <a:off x="6464903" y="2759660"/>
             <a:ext cx="771393" cy="0"/>
           </a:xfrm>
           <a:prstGeom prst="line">
@@ -6438,7 +6520,7 @@
         </p:nvSpPr>
         <p:spPr>
           <a:xfrm>
-            <a:off x="6515744" y="2337784"/>
+            <a:off x="6515744" y="2521133"/>
             <a:ext cx="699384" cy="238527"/>
           </a:xfrm>
           <a:prstGeom prst="rect">
@@ -6477,7 +6559,7 @@
         </p:nvCxnSpPr>
         <p:spPr>
           <a:xfrm>
-            <a:off x="3275857" y="3427950"/>
+            <a:off x="3275857" y="3611299"/>
             <a:ext cx="3189046" cy="0"/>
           </a:xfrm>
           <a:prstGeom prst="line">
@@ -6520,7 +6602,7 @@
         </p:nvSpPr>
         <p:spPr>
           <a:xfrm>
-            <a:off x="3491880" y="3182077"/>
+            <a:off x="3491880" y="3365426"/>
             <a:ext cx="2756998" cy="238527"/>
           </a:xfrm>
           <a:prstGeom prst="rect">
@@ -6559,7 +6641,7 @@
         </p:nvCxnSpPr>
         <p:spPr>
           <a:xfrm>
-            <a:off x="6464903" y="3287073"/>
+            <a:off x="6464903" y="3470422"/>
             <a:ext cx="771393" cy="0"/>
           </a:xfrm>
           <a:prstGeom prst="line">
@@ -6602,7 +6684,7 @@
         </p:nvSpPr>
         <p:spPr>
           <a:xfrm>
-            <a:off x="6515744" y="3048546"/>
+            <a:off x="6515744" y="3231895"/>
             <a:ext cx="699384" cy="238527"/>
           </a:xfrm>
           <a:prstGeom prst="rect">
@@ -6620,6 +6702,88 @@
             <a:r>
               <a:rPr lang="en-US" altLang="ko-KR" sz="1100"/>
               <a:t>Event</a:t>
+            </a:r>
+            <a:endParaRPr lang="en-US" altLang="ko-KR" sz="1100" dirty="0"/>
+          </a:p>
+        </p:txBody>
+      </p:sp>
+      <p:cxnSp>
+        <p:nvCxnSpPr>
+          <p:cNvPr id="25" name="직선 연결선 24">
+            <a:extLst>
+              <a:ext uri="{FF2B5EF4-FFF2-40B4-BE49-F238E27FC236}">
+                <a16:creationId xmlns:a16="http://schemas.microsoft.com/office/drawing/2014/main" id="{B4C62AA2-2699-4746-9A64-EB59E0768E70}"/>
+              </a:ext>
+            </a:extLst>
+          </p:cNvPr>
+          <p:cNvCxnSpPr>
+            <a:cxnSpLocks/>
+          </p:cNvCxnSpPr>
+          <p:nvPr/>
+        </p:nvCxnSpPr>
+        <p:spPr>
+          <a:xfrm>
+            <a:off x="3275857" y="1619714"/>
+            <a:ext cx="3189046" cy="0"/>
+          </a:xfrm>
+          <a:prstGeom prst="line">
+            <a:avLst/>
+          </a:prstGeom>
+          <a:ln w="19050">
+            <a:solidFill>
+              <a:schemeClr val="tx1"/>
+            </a:solidFill>
+            <a:headEnd type="arrow" w="med" len="med"/>
+            <a:tailEnd type="none" w="med" len="med"/>
+          </a:ln>
+        </p:spPr>
+        <p:style>
+          <a:lnRef idx="1">
+            <a:schemeClr val="accent1"/>
+          </a:lnRef>
+          <a:fillRef idx="0">
+            <a:schemeClr val="accent1"/>
+          </a:fillRef>
+          <a:effectRef idx="0">
+            <a:schemeClr val="accent1"/>
+          </a:effectRef>
+          <a:fontRef idx="minor">
+            <a:schemeClr val="tx1"/>
+          </a:fontRef>
+        </p:style>
+      </p:cxnSp>
+      <p:sp>
+        <p:nvSpPr>
+          <p:cNvPr id="26" name="TextBox 25">
+            <a:extLst>
+              <a:ext uri="{FF2B5EF4-FFF2-40B4-BE49-F238E27FC236}">
+                <a16:creationId xmlns:a16="http://schemas.microsoft.com/office/drawing/2014/main" id="{287C483E-C719-4185-92CB-5B3FC6E18266}"/>
+              </a:ext>
+            </a:extLst>
+          </p:cNvPr>
+          <p:cNvSpPr txBox="1"/>
+          <p:nvPr/>
+        </p:nvSpPr>
+        <p:spPr>
+          <a:xfrm>
+            <a:off x="3491880" y="1373841"/>
+            <a:ext cx="2756998" cy="238527"/>
+          </a:xfrm>
+          <a:prstGeom prst="rect">
+            <a:avLst/>
+          </a:prstGeom>
+          <a:noFill/>
+        </p:spPr>
+        <p:txBody>
+          <a:bodyPr wrap="square" lIns="68580" tIns="34290" rIns="68580" bIns="34290" rtlCol="0" anchor="ctr">
+            <a:spAutoFit/>
+          </a:bodyPr>
+          <a:lstStyle/>
+          <a:p>
+            <a:pPr algn="ctr"/>
+            <a:r>
+              <a:rPr lang="en-US" altLang="ko-KR" sz="1100"/>
+              <a:t>Handshake</a:t>
             </a:r>
             <a:endParaRPr lang="en-US" altLang="ko-KR" sz="1100" dirty="0"/>
           </a:p>
@@ -6868,7 +7032,7 @@
             <a:pPr algn="ctr"/>
             <a:r>
               <a:rPr lang="en-US" altLang="ko-KR" sz="1100"/>
-              <a:t>Handshake (HTTP)</a:t>
+              <a:t>Handshake (HTTP, Upgrade)</a:t>
             </a:r>
             <a:endParaRPr lang="en-US" altLang="ko-KR" sz="1100" dirty="0"/>
           </a:p>
@@ -6950,7 +7114,7 @@
             <a:pPr algn="ctr"/>
             <a:r>
               <a:rPr lang="en-US" altLang="ko-KR" sz="1100"/>
-              <a:t>Handshake (HTTP)</a:t>
+              <a:t>Handshake (HTTP, Upgrade)</a:t>
             </a:r>
             <a:endParaRPr lang="en-US" altLang="ko-KR" sz="1100" dirty="0"/>
           </a:p>
@@ -7379,7 +7543,7 @@
             <a:pPr algn="ctr"/>
             <a:r>
               <a:rPr lang="en-US" altLang="ko-KR" sz="1100"/>
-              <a:t>Messages (WebSocket)</a:t>
+              <a:t>Messages, Event (WebSocket)</a:t>
             </a:r>
             <a:endParaRPr lang="en-US" altLang="ko-KR" sz="1100" dirty="0"/>
           </a:p>
